--- a/기타/PPT/초안.pptx
+++ b/기타/PPT/초안.pptx
@@ -11,8 +11,14 @@
     <p:sldId id="259" r:id="rId5"/>
     <p:sldId id="260" r:id="rId6"/>
     <p:sldId id="261" r:id="rId7"/>
-    <p:sldId id="262" r:id="rId8"/>
-    <p:sldId id="263" r:id="rId9"/>
+    <p:sldId id="264" r:id="rId8"/>
+    <p:sldId id="265" r:id="rId9"/>
+    <p:sldId id="266" r:id="rId10"/>
+    <p:sldId id="267" r:id="rId11"/>
+    <p:sldId id="268" r:id="rId12"/>
+    <p:sldId id="269" r:id="rId13"/>
+    <p:sldId id="262" r:id="rId14"/>
+    <p:sldId id="263" r:id="rId15"/>
   </p:sldIdLst>
   <p:sldSz cx="12192000" cy="6858000"/>
   <p:notesSz cx="6858000" cy="9144000"/>
@@ -111,6 +117,11 @@
       </a:defRPr>
     </a:lvl9pPr>
   </p:defaultTextStyle>
+  <p:extLst>
+    <p:ext uri="{EFAFB233-063F-42B5-8137-9DF3F51BA10A}">
+      <p15:sldGuideLst xmlns:p15="http://schemas.microsoft.com/office/powerpoint/2012/main"/>
+    </p:ext>
+  </p:extLst>
 </p:presentation>
 </file>
 
@@ -245,7 +256,7 @@
           <a:p>
             <a:fld id="{EEC3B7C8-8B3F-4A5B-A46D-9E51DC17C975}" type="datetimeFigureOut">
               <a:rPr lang="ko-KR" altLang="en-US" smtClean="0"/>
-              <a:t>2023-04-03</a:t>
+              <a:t>2023-04-04</a:t>
             </a:fld>
             <a:endParaRPr lang="ko-KR" altLang="en-US"/>
           </a:p>
@@ -415,7 +426,7 @@
           <a:p>
             <a:fld id="{EEC3B7C8-8B3F-4A5B-A46D-9E51DC17C975}" type="datetimeFigureOut">
               <a:rPr lang="ko-KR" altLang="en-US" smtClean="0"/>
-              <a:t>2023-04-03</a:t>
+              <a:t>2023-04-04</a:t>
             </a:fld>
             <a:endParaRPr lang="ko-KR" altLang="en-US"/>
           </a:p>
@@ -595,7 +606,7 @@
           <a:p>
             <a:fld id="{EEC3B7C8-8B3F-4A5B-A46D-9E51DC17C975}" type="datetimeFigureOut">
               <a:rPr lang="ko-KR" altLang="en-US" smtClean="0"/>
-              <a:t>2023-04-03</a:t>
+              <a:t>2023-04-04</a:t>
             </a:fld>
             <a:endParaRPr lang="ko-KR" altLang="en-US"/>
           </a:p>
@@ -765,7 +776,7 @@
           <a:p>
             <a:fld id="{EEC3B7C8-8B3F-4A5B-A46D-9E51DC17C975}" type="datetimeFigureOut">
               <a:rPr lang="ko-KR" altLang="en-US" smtClean="0"/>
-              <a:t>2023-04-03</a:t>
+              <a:t>2023-04-04</a:t>
             </a:fld>
             <a:endParaRPr lang="ko-KR" altLang="en-US"/>
           </a:p>
@@ -1011,7 +1022,7 @@
           <a:p>
             <a:fld id="{EEC3B7C8-8B3F-4A5B-A46D-9E51DC17C975}" type="datetimeFigureOut">
               <a:rPr lang="ko-KR" altLang="en-US" smtClean="0"/>
-              <a:t>2023-04-03</a:t>
+              <a:t>2023-04-04</a:t>
             </a:fld>
             <a:endParaRPr lang="ko-KR" altLang="en-US"/>
           </a:p>
@@ -1243,7 +1254,7 @@
           <a:p>
             <a:fld id="{EEC3B7C8-8B3F-4A5B-A46D-9E51DC17C975}" type="datetimeFigureOut">
               <a:rPr lang="ko-KR" altLang="en-US" smtClean="0"/>
-              <a:t>2023-04-03</a:t>
+              <a:t>2023-04-04</a:t>
             </a:fld>
             <a:endParaRPr lang="ko-KR" altLang="en-US"/>
           </a:p>
@@ -1610,7 +1621,7 @@
           <a:p>
             <a:fld id="{EEC3B7C8-8B3F-4A5B-A46D-9E51DC17C975}" type="datetimeFigureOut">
               <a:rPr lang="ko-KR" altLang="en-US" smtClean="0"/>
-              <a:t>2023-04-03</a:t>
+              <a:t>2023-04-04</a:t>
             </a:fld>
             <a:endParaRPr lang="ko-KR" altLang="en-US"/>
           </a:p>
@@ -1728,7 +1739,7 @@
           <a:p>
             <a:fld id="{EEC3B7C8-8B3F-4A5B-A46D-9E51DC17C975}" type="datetimeFigureOut">
               <a:rPr lang="ko-KR" altLang="en-US" smtClean="0"/>
-              <a:t>2023-04-03</a:t>
+              <a:t>2023-04-04</a:t>
             </a:fld>
             <a:endParaRPr lang="ko-KR" altLang="en-US"/>
           </a:p>
@@ -1823,7 +1834,7 @@
           <a:p>
             <a:fld id="{EEC3B7C8-8B3F-4A5B-A46D-9E51DC17C975}" type="datetimeFigureOut">
               <a:rPr lang="ko-KR" altLang="en-US" smtClean="0"/>
-              <a:t>2023-04-03</a:t>
+              <a:t>2023-04-04</a:t>
             </a:fld>
             <a:endParaRPr lang="ko-KR" altLang="en-US"/>
           </a:p>
@@ -2100,7 +2111,7 @@
           <a:p>
             <a:fld id="{EEC3B7C8-8B3F-4A5B-A46D-9E51DC17C975}" type="datetimeFigureOut">
               <a:rPr lang="ko-KR" altLang="en-US" smtClean="0"/>
-              <a:t>2023-04-03</a:t>
+              <a:t>2023-04-04</a:t>
             </a:fld>
             <a:endParaRPr lang="ko-KR" altLang="en-US"/>
           </a:p>
@@ -2353,7 +2364,7 @@
           <a:p>
             <a:fld id="{EEC3B7C8-8B3F-4A5B-A46D-9E51DC17C975}" type="datetimeFigureOut">
               <a:rPr lang="ko-KR" altLang="en-US" smtClean="0"/>
-              <a:t>2023-04-03</a:t>
+              <a:t>2023-04-04</a:t>
             </a:fld>
             <a:endParaRPr lang="ko-KR" altLang="en-US"/>
           </a:p>
@@ -2566,7 +2577,7 @@
           <a:p>
             <a:fld id="{EEC3B7C8-8B3F-4A5B-A46D-9E51DC17C975}" type="datetimeFigureOut">
               <a:rPr lang="ko-KR" altLang="en-US" smtClean="0"/>
-              <a:t>2023-04-03</a:t>
+              <a:t>2023-04-04</a:t>
             </a:fld>
             <a:endParaRPr lang="ko-KR" altLang="en-US"/>
           </a:p>
@@ -3030,6 +3041,541 @@
 </p:sld>
 </file>
 
+<file path=ppt/slides/slide10.xml><?xml version="1.0" encoding="utf-8"?>
+<p:sld xmlns:a="http://schemas.openxmlformats.org/drawingml/2006/main" xmlns:r="http://schemas.openxmlformats.org/officeDocument/2006/relationships" xmlns:p="http://schemas.openxmlformats.org/presentationml/2006/main">
+  <p:cSld>
+    <p:spTree>
+      <p:nvGrpSpPr>
+        <p:cNvPr id="1" name=""/>
+        <p:cNvGrpSpPr/>
+        <p:nvPr/>
+      </p:nvGrpSpPr>
+      <p:grpSpPr>
+        <a:xfrm>
+          <a:off x="0" y="0"/>
+          <a:ext cx="0" cy="0"/>
+          <a:chOff x="0" y="0"/>
+          <a:chExt cx="0" cy="0"/>
+        </a:xfrm>
+      </p:grpSpPr>
+      <p:sp>
+        <p:nvSpPr>
+          <p:cNvPr id="2" name="직사각형 1"/>
+          <p:cNvSpPr/>
+          <p:nvPr/>
+        </p:nvSpPr>
+        <p:spPr>
+          <a:xfrm>
+            <a:off x="0" y="0"/>
+            <a:ext cx="6096000" cy="923330"/>
+          </a:xfrm>
+          <a:prstGeom prst="rect">
+            <a:avLst/>
+          </a:prstGeom>
+        </p:spPr>
+        <p:txBody>
+          <a:bodyPr>
+            <a:spAutoFit/>
+          </a:bodyPr>
+          <a:lstStyle/>
+          <a:p>
+            <a:r>
+              <a:rPr lang="ko-KR" altLang="en-US" dirty="0" smtClean="0"/>
+              <a:t>  3. 프로젝트 </a:t>
+            </a:r>
+            <a:r>
+              <a:rPr lang="ko-KR" altLang="en-US" dirty="0" err="1" smtClean="0"/>
+              <a:t>수행절차</a:t>
+            </a:r>
+            <a:endParaRPr lang="en-US" altLang="ko-KR" dirty="0" smtClean="0"/>
+          </a:p>
+          <a:p>
+            <a:r>
+              <a:rPr lang="ko-KR" altLang="en-US" dirty="0" smtClean="0"/>
+              <a:t>프로젝트 </a:t>
+            </a:r>
+            <a:r>
+              <a:rPr lang="ko-KR" altLang="en-US" dirty="0"/>
+              <a:t>일정 </a:t>
+            </a:r>
+            <a:r>
+              <a:rPr lang="ko-KR" altLang="en-US" dirty="0" smtClean="0"/>
+              <a:t>관리</a:t>
+            </a:r>
+            <a:endParaRPr lang="ko-KR" altLang="en-US" dirty="0"/>
+          </a:p>
+          <a:p>
+            <a:endParaRPr lang="ko-KR" altLang="en-US" dirty="0" smtClean="0"/>
+          </a:p>
+        </p:txBody>
+      </p:sp>
+      <p:pic>
+        <p:nvPicPr>
+          <p:cNvPr id="3" name="그림 2"/>
+          <p:cNvPicPr>
+            <a:picLocks noChangeAspect="1"/>
+          </p:cNvPicPr>
+          <p:nvPr/>
+        </p:nvPicPr>
+        <p:blipFill>
+          <a:blip r:embed="rId2"/>
+          <a:stretch>
+            <a:fillRect/>
+          </a:stretch>
+        </p:blipFill>
+        <p:spPr>
+          <a:xfrm>
+            <a:off x="0" y="2162649"/>
+            <a:ext cx="12192000" cy="2214539"/>
+          </a:xfrm>
+          <a:prstGeom prst="rect">
+            <a:avLst/>
+          </a:prstGeom>
+        </p:spPr>
+      </p:pic>
+    </p:spTree>
+    <p:extLst>
+      <p:ext uri="{BB962C8B-B14F-4D97-AF65-F5344CB8AC3E}">
+        <p14:creationId xmlns:p14="http://schemas.microsoft.com/office/powerpoint/2010/main" val="434965318"/>
+      </p:ext>
+    </p:extLst>
+  </p:cSld>
+  <p:clrMapOvr>
+    <a:masterClrMapping/>
+  </p:clrMapOvr>
+  <p:timing>
+    <p:tnLst>
+      <p:par>
+        <p:cTn id="1" dur="indefinite" restart="never" nodeType="tmRoot"/>
+      </p:par>
+    </p:tnLst>
+  </p:timing>
+</p:sld>
+</file>
+
+<file path=ppt/slides/slide11.xml><?xml version="1.0" encoding="utf-8"?>
+<p:sld xmlns:a="http://schemas.openxmlformats.org/drawingml/2006/main" xmlns:r="http://schemas.openxmlformats.org/officeDocument/2006/relationships" xmlns:p="http://schemas.openxmlformats.org/presentationml/2006/main">
+  <p:cSld>
+    <p:spTree>
+      <p:nvGrpSpPr>
+        <p:cNvPr id="1" name=""/>
+        <p:cNvGrpSpPr/>
+        <p:nvPr/>
+      </p:nvGrpSpPr>
+      <p:grpSpPr>
+        <a:xfrm>
+          <a:off x="0" y="0"/>
+          <a:ext cx="0" cy="0"/>
+          <a:chOff x="0" y="0"/>
+          <a:chExt cx="0" cy="0"/>
+        </a:xfrm>
+      </p:grpSpPr>
+      <p:sp>
+        <p:nvSpPr>
+          <p:cNvPr id="2" name="직사각형 1"/>
+          <p:cNvSpPr/>
+          <p:nvPr/>
+        </p:nvSpPr>
+        <p:spPr>
+          <a:xfrm>
+            <a:off x="0" y="0"/>
+            <a:ext cx="6096000" cy="923330"/>
+          </a:xfrm>
+          <a:prstGeom prst="rect">
+            <a:avLst/>
+          </a:prstGeom>
+        </p:spPr>
+        <p:txBody>
+          <a:bodyPr>
+            <a:spAutoFit/>
+          </a:bodyPr>
+          <a:lstStyle/>
+          <a:p>
+            <a:r>
+              <a:rPr lang="ko-KR" altLang="en-US" dirty="0" smtClean="0"/>
+              <a:t>  3. 프로젝트 </a:t>
+            </a:r>
+            <a:r>
+              <a:rPr lang="ko-KR" altLang="en-US" dirty="0" err="1" smtClean="0"/>
+              <a:t>수행절차</a:t>
+            </a:r>
+            <a:endParaRPr lang="en-US" altLang="ko-KR" dirty="0" smtClean="0"/>
+          </a:p>
+          <a:p>
+            <a:r>
+              <a:rPr lang="en-US" altLang="ko-KR" dirty="0" smtClean="0"/>
+              <a:t>Table Model</a:t>
+            </a:r>
+            <a:endParaRPr lang="ko-KR" altLang="en-US" dirty="0"/>
+          </a:p>
+          <a:p>
+            <a:endParaRPr lang="ko-KR" altLang="en-US" dirty="0" smtClean="0"/>
+          </a:p>
+        </p:txBody>
+      </p:sp>
+      <p:pic>
+        <p:nvPicPr>
+          <p:cNvPr id="3" name="그림 2"/>
+          <p:cNvPicPr>
+            <a:picLocks noChangeAspect="1"/>
+          </p:cNvPicPr>
+          <p:nvPr/>
+        </p:nvPicPr>
+        <p:blipFill>
+          <a:blip r:embed="rId2">
+            <a:extLst>
+              <a:ext uri="{28A0092B-C50C-407E-A947-70E740481C1C}">
+                <a14:useLocalDpi xmlns:a14="http://schemas.microsoft.com/office/drawing/2010/main" val="0"/>
+              </a:ext>
+            </a:extLst>
+          </a:blip>
+          <a:stretch>
+            <a:fillRect/>
+          </a:stretch>
+        </p:blipFill>
+        <p:spPr>
+          <a:xfrm>
+            <a:off x="1995487" y="333572"/>
+            <a:ext cx="7838469" cy="6491090"/>
+          </a:xfrm>
+          <a:prstGeom prst="rect">
+            <a:avLst/>
+          </a:prstGeom>
+        </p:spPr>
+      </p:pic>
+    </p:spTree>
+    <p:extLst>
+      <p:ext uri="{BB962C8B-B14F-4D97-AF65-F5344CB8AC3E}">
+        <p14:creationId xmlns:p14="http://schemas.microsoft.com/office/powerpoint/2010/main" val="16664097"/>
+      </p:ext>
+    </p:extLst>
+  </p:cSld>
+  <p:clrMapOvr>
+    <a:masterClrMapping/>
+  </p:clrMapOvr>
+  <p:timing>
+    <p:tnLst>
+      <p:par>
+        <p:cTn id="1" dur="indefinite" restart="never" nodeType="tmRoot"/>
+      </p:par>
+    </p:tnLst>
+  </p:timing>
+</p:sld>
+</file>
+
+<file path=ppt/slides/slide12.xml><?xml version="1.0" encoding="utf-8"?>
+<p:sld xmlns:a="http://schemas.openxmlformats.org/drawingml/2006/main" xmlns:r="http://schemas.openxmlformats.org/officeDocument/2006/relationships" xmlns:p="http://schemas.openxmlformats.org/presentationml/2006/main">
+  <p:cSld>
+    <p:spTree>
+      <p:nvGrpSpPr>
+        <p:cNvPr id="1" name=""/>
+        <p:cNvGrpSpPr/>
+        <p:nvPr/>
+      </p:nvGrpSpPr>
+      <p:grpSpPr>
+        <a:xfrm>
+          <a:off x="0" y="0"/>
+          <a:ext cx="0" cy="0"/>
+          <a:chOff x="0" y="0"/>
+          <a:chExt cx="0" cy="0"/>
+        </a:xfrm>
+      </p:grpSpPr>
+      <p:sp>
+        <p:nvSpPr>
+          <p:cNvPr id="2" name="직사각형 1"/>
+          <p:cNvSpPr/>
+          <p:nvPr/>
+        </p:nvSpPr>
+        <p:spPr>
+          <a:xfrm>
+            <a:off x="0" y="0"/>
+            <a:ext cx="6096000" cy="646331"/>
+          </a:xfrm>
+          <a:prstGeom prst="rect">
+            <a:avLst/>
+          </a:prstGeom>
+        </p:spPr>
+        <p:txBody>
+          <a:bodyPr>
+            <a:spAutoFit/>
+          </a:bodyPr>
+          <a:lstStyle/>
+          <a:p>
+            <a:r>
+              <a:rPr lang="ko-KR" altLang="en-US" dirty="0" smtClean="0"/>
+              <a:t>  3. 프로젝트 </a:t>
+            </a:r>
+            <a:r>
+              <a:rPr lang="ko-KR" altLang="en-US" dirty="0" err="1" smtClean="0"/>
+              <a:t>수행절차</a:t>
+            </a:r>
+            <a:endParaRPr lang="en-US" altLang="ko-KR" dirty="0" smtClean="0"/>
+          </a:p>
+          <a:p>
+            <a:r>
+              <a:rPr lang="en-US" altLang="ko-KR" dirty="0" smtClean="0"/>
+              <a:t>ERD</a:t>
+            </a:r>
+            <a:endParaRPr lang="ko-KR" altLang="en-US" dirty="0" smtClean="0"/>
+          </a:p>
+        </p:txBody>
+      </p:sp>
+      <p:pic>
+        <p:nvPicPr>
+          <p:cNvPr id="3" name="그림 2"/>
+          <p:cNvPicPr>
+            <a:picLocks noChangeAspect="1"/>
+          </p:cNvPicPr>
+          <p:nvPr/>
+        </p:nvPicPr>
+        <p:blipFill>
+          <a:blip r:embed="rId2">
+            <a:extLst>
+              <a:ext uri="{28A0092B-C50C-407E-A947-70E740481C1C}">
+                <a14:useLocalDpi xmlns:a14="http://schemas.microsoft.com/office/drawing/2010/main" val="0"/>
+              </a:ext>
+            </a:extLst>
+          </a:blip>
+          <a:stretch>
+            <a:fillRect/>
+          </a:stretch>
+        </p:blipFill>
+        <p:spPr>
+          <a:xfrm>
+            <a:off x="1042987" y="463867"/>
+            <a:ext cx="10106025" cy="6296025"/>
+          </a:xfrm>
+          <a:prstGeom prst="rect">
+            <a:avLst/>
+          </a:prstGeom>
+        </p:spPr>
+      </p:pic>
+    </p:spTree>
+    <p:extLst>
+      <p:ext uri="{BB962C8B-B14F-4D97-AF65-F5344CB8AC3E}">
+        <p14:creationId xmlns:p14="http://schemas.microsoft.com/office/powerpoint/2010/main" val="2822727278"/>
+      </p:ext>
+    </p:extLst>
+  </p:cSld>
+  <p:clrMapOvr>
+    <a:masterClrMapping/>
+  </p:clrMapOvr>
+  <p:timing>
+    <p:tnLst>
+      <p:par>
+        <p:cTn id="1" dur="indefinite" restart="never" nodeType="tmRoot"/>
+      </p:par>
+    </p:tnLst>
+  </p:timing>
+</p:sld>
+</file>
+
+<file path=ppt/slides/slide13.xml><?xml version="1.0" encoding="utf-8"?>
+<p:sld xmlns:a="http://schemas.openxmlformats.org/drawingml/2006/main" xmlns:r="http://schemas.openxmlformats.org/officeDocument/2006/relationships" xmlns:p="http://schemas.openxmlformats.org/presentationml/2006/main">
+  <p:cSld>
+    <p:spTree>
+      <p:nvGrpSpPr>
+        <p:cNvPr id="1" name=""/>
+        <p:cNvGrpSpPr/>
+        <p:nvPr/>
+      </p:nvGrpSpPr>
+      <p:grpSpPr>
+        <a:xfrm>
+          <a:off x="0" y="0"/>
+          <a:ext cx="0" cy="0"/>
+          <a:chOff x="0" y="0"/>
+          <a:chExt cx="0" cy="0"/>
+        </a:xfrm>
+      </p:grpSpPr>
+      <p:sp>
+        <p:nvSpPr>
+          <p:cNvPr id="2" name="직사각형 1"/>
+          <p:cNvSpPr/>
+          <p:nvPr/>
+        </p:nvSpPr>
+        <p:spPr>
+          <a:xfrm>
+            <a:off x="0" y="0"/>
+            <a:ext cx="6096000" cy="369332"/>
+          </a:xfrm>
+          <a:prstGeom prst="rect">
+            <a:avLst/>
+          </a:prstGeom>
+        </p:spPr>
+        <p:txBody>
+          <a:bodyPr>
+            <a:spAutoFit/>
+          </a:bodyPr>
+          <a:lstStyle/>
+          <a:p>
+            <a:r>
+              <a:rPr lang="ko-KR" altLang="en-US" dirty="0" smtClean="0"/>
+              <a:t>4. 프로젝트 </a:t>
+            </a:r>
+            <a:r>
+              <a:rPr lang="ko-KR" altLang="en-US" dirty="0" err="1" smtClean="0"/>
+              <a:t>수행결과</a:t>
+            </a:r>
+            <a:endParaRPr lang="ko-KR" altLang="en-US" dirty="0" smtClean="0"/>
+          </a:p>
+        </p:txBody>
+      </p:sp>
+      <p:sp>
+        <p:nvSpPr>
+          <p:cNvPr id="4" name="직사각형 3"/>
+          <p:cNvSpPr/>
+          <p:nvPr/>
+        </p:nvSpPr>
+        <p:spPr>
+          <a:xfrm>
+            <a:off x="2213809" y="1998929"/>
+            <a:ext cx="8325853" cy="369332"/>
+          </a:xfrm>
+          <a:prstGeom prst="rect">
+            <a:avLst/>
+          </a:prstGeom>
+        </p:spPr>
+        <p:txBody>
+          <a:bodyPr wrap="square">
+            <a:spAutoFit/>
+          </a:bodyPr>
+          <a:lstStyle/>
+          <a:p>
+            <a:r>
+              <a:rPr lang="ko-KR" altLang="en-US" dirty="0" smtClean="0"/>
+              <a:t>이건 개인 발표 자료를 만든 후 취합할 예정입니다</a:t>
+            </a:r>
+            <a:r>
+              <a:rPr lang="en-US" altLang="ko-KR" dirty="0" smtClean="0"/>
+              <a:t>…</a:t>
+            </a:r>
+            <a:endParaRPr lang="ko-KR" altLang="en-US" dirty="0"/>
+          </a:p>
+        </p:txBody>
+      </p:sp>
+    </p:spTree>
+    <p:extLst>
+      <p:ext uri="{BB962C8B-B14F-4D97-AF65-F5344CB8AC3E}">
+        <p14:creationId xmlns:p14="http://schemas.microsoft.com/office/powerpoint/2010/main" val="1328420416"/>
+      </p:ext>
+    </p:extLst>
+  </p:cSld>
+  <p:clrMapOvr>
+    <a:masterClrMapping/>
+  </p:clrMapOvr>
+  <p:timing>
+    <p:tnLst>
+      <p:par>
+        <p:cTn id="1" dur="indefinite" restart="never" nodeType="tmRoot"/>
+      </p:par>
+    </p:tnLst>
+  </p:timing>
+</p:sld>
+</file>
+
+<file path=ppt/slides/slide14.xml><?xml version="1.0" encoding="utf-8"?>
+<p:sld xmlns:a="http://schemas.openxmlformats.org/drawingml/2006/main" xmlns:r="http://schemas.openxmlformats.org/officeDocument/2006/relationships" xmlns:p="http://schemas.openxmlformats.org/presentationml/2006/main">
+  <p:cSld>
+    <p:spTree>
+      <p:nvGrpSpPr>
+        <p:cNvPr id="1" name=""/>
+        <p:cNvGrpSpPr/>
+        <p:nvPr/>
+      </p:nvGrpSpPr>
+      <p:grpSpPr>
+        <a:xfrm>
+          <a:off x="0" y="0"/>
+          <a:ext cx="0" cy="0"/>
+          <a:chOff x="0" y="0"/>
+          <a:chExt cx="0" cy="0"/>
+        </a:xfrm>
+      </p:grpSpPr>
+      <p:sp>
+        <p:nvSpPr>
+          <p:cNvPr id="2" name="직사각형 1"/>
+          <p:cNvSpPr/>
+          <p:nvPr/>
+        </p:nvSpPr>
+        <p:spPr>
+          <a:xfrm>
+            <a:off x="0" y="0"/>
+            <a:ext cx="6096000" cy="369332"/>
+          </a:xfrm>
+          <a:prstGeom prst="rect">
+            <a:avLst/>
+          </a:prstGeom>
+        </p:spPr>
+        <p:txBody>
+          <a:bodyPr>
+            <a:spAutoFit/>
+          </a:bodyPr>
+          <a:lstStyle/>
+          <a:p>
+            <a:r>
+              <a:rPr lang="ko-KR" altLang="en-US" dirty="0" smtClean="0"/>
+              <a:t>5. 자체 </a:t>
+            </a:r>
+            <a:r>
+              <a:rPr lang="ko-KR" altLang="en-US" dirty="0" err="1" smtClean="0"/>
+              <a:t>평가의견</a:t>
+            </a:r>
+            <a:endParaRPr lang="ko-KR" altLang="en-US" dirty="0"/>
+          </a:p>
+        </p:txBody>
+      </p:sp>
+      <p:sp>
+        <p:nvSpPr>
+          <p:cNvPr id="4" name="직사각형 3"/>
+          <p:cNvSpPr/>
+          <p:nvPr/>
+        </p:nvSpPr>
+        <p:spPr>
+          <a:xfrm>
+            <a:off x="2534651" y="3394592"/>
+            <a:ext cx="8325853" cy="369332"/>
+          </a:xfrm>
+          <a:prstGeom prst="rect">
+            <a:avLst/>
+          </a:prstGeom>
+        </p:spPr>
+        <p:txBody>
+          <a:bodyPr wrap="square">
+            <a:spAutoFit/>
+          </a:bodyPr>
+          <a:lstStyle/>
+          <a:p>
+            <a:r>
+              <a:rPr lang="ko-KR" altLang="en-US" dirty="0" smtClean="0"/>
+              <a:t>이건 개인 발표 자료를 만든 후 취합할 예정입니다</a:t>
+            </a:r>
+            <a:r>
+              <a:rPr lang="en-US" altLang="ko-KR" dirty="0" smtClean="0"/>
+              <a:t>…</a:t>
+            </a:r>
+            <a:endParaRPr lang="ko-KR" altLang="en-US" dirty="0"/>
+          </a:p>
+        </p:txBody>
+      </p:sp>
+    </p:spTree>
+    <p:extLst>
+      <p:ext uri="{BB962C8B-B14F-4D97-AF65-F5344CB8AC3E}">
+        <p14:creationId xmlns:p14="http://schemas.microsoft.com/office/powerpoint/2010/main" val="202262904"/>
+      </p:ext>
+    </p:extLst>
+  </p:cSld>
+  <p:clrMapOvr>
+    <a:masterClrMapping/>
+  </p:clrMapOvr>
+  <p:timing>
+    <p:tnLst>
+      <p:par>
+        <p:cTn id="1" dur="indefinite" restart="never" nodeType="tmRoot"/>
+      </p:par>
+    </p:tnLst>
+  </p:timing>
+</p:sld>
+</file>
+
 <file path=ppt/slides/slide2.xml><?xml version="1.0" encoding="utf-8"?>
 <p:sld xmlns:a="http://schemas.openxmlformats.org/drawingml/2006/main" xmlns:r="http://schemas.openxmlformats.org/officeDocument/2006/relationships" xmlns:p="http://schemas.openxmlformats.org/presentationml/2006/main">
   <p:cSld>
@@ -3774,7 +4320,7 @@
         <p:spPr>
           <a:xfrm>
             <a:off x="0" y="0"/>
-            <a:ext cx="6096000" cy="369332"/>
+            <a:ext cx="6096000" cy="646331"/>
           </a:xfrm>
           <a:prstGeom prst="rect">
             <a:avLst/>
@@ -3794,134 +4340,41 @@
               <a:rPr lang="ko-KR" altLang="en-US" dirty="0" err="1" smtClean="0"/>
               <a:t>수행절차</a:t>
             </a:r>
-            <a:endParaRPr lang="ko-KR" altLang="en-US" dirty="0" smtClean="0"/>
-          </a:p>
-        </p:txBody>
-      </p:sp>
-      <p:sp>
-        <p:nvSpPr>
-          <p:cNvPr id="4" name="직사각형 3"/>
-          <p:cNvSpPr/>
+            <a:endParaRPr lang="en-US" altLang="ko-KR" dirty="0" smtClean="0"/>
+          </a:p>
+          <a:p>
+            <a:r>
+              <a:rPr lang="ko-KR" altLang="en-US" dirty="0" smtClean="0"/>
+              <a:t>요구사항 정의서</a:t>
+            </a:r>
+            <a:endParaRPr lang="en-US" altLang="ko-KR" dirty="0" smtClean="0"/>
+          </a:p>
+        </p:txBody>
+      </p:sp>
+      <p:pic>
+        <p:nvPicPr>
+          <p:cNvPr id="3" name="그림 2"/>
+          <p:cNvPicPr>
+            <a:picLocks noChangeAspect="1"/>
+          </p:cNvPicPr>
           <p:nvPr/>
-        </p:nvSpPr>
+        </p:nvPicPr>
+        <p:blipFill>
+          <a:blip r:embed="rId2"/>
+          <a:stretch>
+            <a:fillRect/>
+          </a:stretch>
+        </p:blipFill>
         <p:spPr>
           <a:xfrm>
-            <a:off x="2213809" y="1998929"/>
-            <a:ext cx="8325853" cy="3970318"/>
+            <a:off x="68580" y="646331"/>
+            <a:ext cx="12054839" cy="5618922"/>
           </a:xfrm>
           <a:prstGeom prst="rect">
             <a:avLst/>
           </a:prstGeom>
         </p:spPr>
-        <p:txBody>
-          <a:bodyPr wrap="square">
-            <a:spAutoFit/>
-          </a:bodyPr>
-          <a:lstStyle/>
-          <a:p>
-            <a:r>
-              <a:rPr lang="ko-KR" altLang="en-US" dirty="0" smtClean="0"/>
-              <a:t>요구사항 정의서 도표 삽입</a:t>
-            </a:r>
-            <a:endParaRPr lang="en-US" altLang="ko-KR" dirty="0" smtClean="0"/>
-          </a:p>
-          <a:p>
-            <a:endParaRPr lang="en-US" altLang="ko-KR" dirty="0" smtClean="0"/>
-          </a:p>
-          <a:p>
-            <a:r>
-              <a:rPr lang="en-US" altLang="ko-KR" dirty="0" smtClean="0"/>
-              <a:t>CRUD </a:t>
-            </a:r>
-            <a:r>
-              <a:rPr lang="ko-KR" altLang="en-US" dirty="0" smtClean="0"/>
-              <a:t>매트릭스</a:t>
-            </a:r>
-            <a:r>
-              <a:rPr lang="ko-KR" altLang="en-US" dirty="0" smtClean="0"/>
-              <a:t> 도표 삽입</a:t>
-            </a:r>
-            <a:endParaRPr lang="en-US" altLang="ko-KR" dirty="0" smtClean="0"/>
-          </a:p>
-          <a:p>
-            <a:endParaRPr lang="en-US" altLang="ko-KR" dirty="0" smtClean="0"/>
-          </a:p>
-          <a:p>
-            <a:r>
-              <a:rPr lang="ko-KR" altLang="en-US" dirty="0" smtClean="0"/>
-              <a:t>트랜잭션 </a:t>
-            </a:r>
-            <a:r>
-              <a:rPr lang="ko-KR" altLang="en-US" dirty="0" err="1" smtClean="0"/>
-              <a:t>분석서</a:t>
-            </a:r>
-            <a:r>
-              <a:rPr lang="ko-KR" altLang="en-US" dirty="0" smtClean="0"/>
-              <a:t> 도표 삽입</a:t>
-            </a:r>
-            <a:endParaRPr lang="en-US" altLang="ko-KR" dirty="0" smtClean="0"/>
-          </a:p>
-          <a:p>
-            <a:endParaRPr lang="en-US" altLang="ko-KR" dirty="0" smtClean="0"/>
-          </a:p>
-          <a:p>
-            <a:r>
-              <a:rPr lang="en-US" altLang="ko-KR" dirty="0" smtClean="0"/>
-              <a:t>Gantt Chart</a:t>
-            </a:r>
-            <a:r>
-              <a:rPr lang="ko-KR" altLang="en-US" dirty="0" smtClean="0"/>
-              <a:t> 도표 삽입</a:t>
-            </a:r>
-            <a:endParaRPr lang="en-US" altLang="ko-KR" dirty="0" smtClean="0"/>
-          </a:p>
-          <a:p>
-            <a:endParaRPr lang="en-US" altLang="ko-KR" dirty="0" smtClean="0"/>
-          </a:p>
-          <a:p>
-            <a:r>
-              <a:rPr lang="ko-KR" altLang="en-US" dirty="0" smtClean="0"/>
-              <a:t>프로젝트 일정 관리</a:t>
-            </a:r>
-            <a:r>
-              <a:rPr lang="ko-KR" altLang="en-US" dirty="0" smtClean="0"/>
-              <a:t> 도표 삽입</a:t>
-            </a:r>
-            <a:endParaRPr lang="en-US" altLang="ko-KR" dirty="0" smtClean="0"/>
-          </a:p>
-          <a:p>
-            <a:endParaRPr lang="en-US" altLang="ko-KR" dirty="0"/>
-          </a:p>
-          <a:p>
-            <a:r>
-              <a:rPr lang="en-US" altLang="ko-KR" dirty="0" smtClean="0"/>
-              <a:t>Table Model </a:t>
-            </a:r>
-            <a:r>
-              <a:rPr lang="ko-KR" altLang="en-US" dirty="0" smtClean="0"/>
-              <a:t>도표 삽입</a:t>
-            </a:r>
-            <a:endParaRPr lang="en-US" altLang="ko-KR" dirty="0" smtClean="0"/>
-          </a:p>
-          <a:p>
-            <a:endParaRPr lang="en-US" altLang="ko-KR" dirty="0"/>
-          </a:p>
-          <a:p>
-            <a:r>
-              <a:rPr lang="en-US" altLang="ko-KR" dirty="0" smtClean="0"/>
-              <a:t>E-R </a:t>
-            </a:r>
-            <a:r>
-              <a:rPr lang="ko-KR" altLang="en-US" dirty="0" smtClean="0"/>
-              <a:t>다이어그램 삽입</a:t>
-            </a:r>
-            <a:endParaRPr lang="en-US" altLang="ko-KR" dirty="0" smtClean="0"/>
-          </a:p>
-          <a:p>
-            <a:endParaRPr lang="ko-KR" altLang="en-US" dirty="0"/>
-          </a:p>
-        </p:txBody>
-      </p:sp>
+      </p:pic>
     </p:spTree>
     <p:extLst>
       <p:ext uri="{BB962C8B-B14F-4D97-AF65-F5344CB8AC3E}">
@@ -3968,7 +4421,7 @@
         <p:spPr>
           <a:xfrm>
             <a:off x="0" y="0"/>
-            <a:ext cx="6096000" cy="369332"/>
+            <a:ext cx="6096000" cy="923330"/>
           </a:xfrm>
           <a:prstGeom prst="rect">
             <a:avLst/>
@@ -3982,53 +4435,58 @@
           <a:p>
             <a:r>
               <a:rPr lang="ko-KR" altLang="en-US" dirty="0" smtClean="0"/>
-              <a:t>4. 프로젝트 </a:t>
+              <a:t>  3. 프로젝트 </a:t>
             </a:r>
             <a:r>
               <a:rPr lang="ko-KR" altLang="en-US" dirty="0" err="1" smtClean="0"/>
-              <a:t>수행결과</a:t>
-            </a:r>
+              <a:t>수행절차</a:t>
+            </a:r>
+            <a:endParaRPr lang="en-US" altLang="ko-KR" dirty="0" smtClean="0"/>
+          </a:p>
+          <a:p>
+            <a:r>
+              <a:rPr lang="en-US" altLang="ko-KR" dirty="0" smtClean="0"/>
+              <a:t>CRUD </a:t>
+            </a:r>
+            <a:r>
+              <a:rPr lang="ko-KR" altLang="en-US" dirty="0" smtClean="0"/>
+              <a:t>매트릭스</a:t>
+            </a:r>
+            <a:endParaRPr lang="ko-KR" altLang="en-US" dirty="0"/>
+          </a:p>
+          <a:p>
             <a:endParaRPr lang="ko-KR" altLang="en-US" dirty="0" smtClean="0"/>
           </a:p>
         </p:txBody>
       </p:sp>
-      <p:sp>
-        <p:nvSpPr>
-          <p:cNvPr id="4" name="직사각형 3"/>
-          <p:cNvSpPr/>
+      <p:pic>
+        <p:nvPicPr>
+          <p:cNvPr id="3" name="그림 2"/>
+          <p:cNvPicPr>
+            <a:picLocks noChangeAspect="1"/>
+          </p:cNvPicPr>
           <p:nvPr/>
-        </p:nvSpPr>
+        </p:nvPicPr>
+        <p:blipFill>
+          <a:blip r:embed="rId2"/>
+          <a:stretch>
+            <a:fillRect/>
+          </a:stretch>
+        </p:blipFill>
         <p:spPr>
           <a:xfrm>
-            <a:off x="2213809" y="1998929"/>
-            <a:ext cx="8325853" cy="369332"/>
+            <a:off x="22446" y="1438102"/>
+            <a:ext cx="12147107" cy="3940233"/>
           </a:xfrm>
           <a:prstGeom prst="rect">
             <a:avLst/>
           </a:prstGeom>
         </p:spPr>
-        <p:txBody>
-          <a:bodyPr wrap="square">
-            <a:spAutoFit/>
-          </a:bodyPr>
-          <a:lstStyle/>
-          <a:p>
-            <a:r>
-              <a:rPr lang="ko-KR" altLang="en-US" dirty="0" smtClean="0"/>
-              <a:t>이건 개인 발표 자료를 만든 후 취합할 예정입니다</a:t>
-            </a:r>
-            <a:r>
-              <a:rPr lang="en-US" altLang="ko-KR" dirty="0" smtClean="0"/>
-              <a:t>…</a:t>
-            </a:r>
-            <a:endParaRPr lang="ko-KR" altLang="en-US" dirty="0"/>
-          </a:p>
-        </p:txBody>
-      </p:sp>
+      </p:pic>
     </p:spTree>
     <p:extLst>
       <p:ext uri="{BB962C8B-B14F-4D97-AF65-F5344CB8AC3E}">
-        <p14:creationId xmlns:p14="http://schemas.microsoft.com/office/powerpoint/2010/main" val="1328420416"/>
+        <p14:creationId xmlns:p14="http://schemas.microsoft.com/office/powerpoint/2010/main" val="839329267"/>
       </p:ext>
     </p:extLst>
   </p:cSld>
@@ -4071,7 +4529,7 @@
         <p:spPr>
           <a:xfrm>
             <a:off x="0" y="0"/>
-            <a:ext cx="6096000" cy="369332"/>
+            <a:ext cx="6096000" cy="923330"/>
           </a:xfrm>
           <a:prstGeom prst="rect">
             <a:avLst/>
@@ -4085,53 +4543,135 @@
           <a:p>
             <a:r>
               <a:rPr lang="ko-KR" altLang="en-US" dirty="0" smtClean="0"/>
-              <a:t>5. 자체 </a:t>
+              <a:t>  3. 프로젝트 </a:t>
             </a:r>
             <a:r>
               <a:rPr lang="ko-KR" altLang="en-US" dirty="0" err="1" smtClean="0"/>
-              <a:t>평가의견</a:t>
+              <a:t>수행절차</a:t>
+            </a:r>
+            <a:endParaRPr lang="en-US" altLang="ko-KR" dirty="0" smtClean="0"/>
+          </a:p>
+          <a:p>
+            <a:r>
+              <a:rPr lang="ko-KR" altLang="en-US" dirty="0" smtClean="0"/>
+              <a:t>트랜잭션 </a:t>
+            </a:r>
+            <a:r>
+              <a:rPr lang="ko-KR" altLang="en-US" dirty="0" err="1" smtClean="0"/>
+              <a:t>분석서</a:t>
             </a:r>
             <a:endParaRPr lang="ko-KR" altLang="en-US" dirty="0"/>
           </a:p>
-        </p:txBody>
-      </p:sp>
-      <p:sp>
-        <p:nvSpPr>
-          <p:cNvPr id="4" name="직사각형 3"/>
+          <a:p>
+            <a:endParaRPr lang="ko-KR" altLang="en-US" dirty="0" smtClean="0"/>
+          </a:p>
+        </p:txBody>
+      </p:sp>
+    </p:spTree>
+    <p:extLst>
+      <p:ext uri="{BB962C8B-B14F-4D97-AF65-F5344CB8AC3E}">
+        <p14:creationId xmlns:p14="http://schemas.microsoft.com/office/powerpoint/2010/main" val="3474850078"/>
+      </p:ext>
+    </p:extLst>
+  </p:cSld>
+  <p:clrMapOvr>
+    <a:masterClrMapping/>
+  </p:clrMapOvr>
+  <p:timing>
+    <p:tnLst>
+      <p:par>
+        <p:cTn id="1" dur="indefinite" restart="never" nodeType="tmRoot"/>
+      </p:par>
+    </p:tnLst>
+  </p:timing>
+</p:sld>
+</file>
+
+<file path=ppt/slides/slide9.xml><?xml version="1.0" encoding="utf-8"?>
+<p:sld xmlns:a="http://schemas.openxmlformats.org/drawingml/2006/main" xmlns:r="http://schemas.openxmlformats.org/officeDocument/2006/relationships" xmlns:p="http://schemas.openxmlformats.org/presentationml/2006/main">
+  <p:cSld>
+    <p:spTree>
+      <p:nvGrpSpPr>
+        <p:cNvPr id="1" name=""/>
+        <p:cNvGrpSpPr/>
+        <p:nvPr/>
+      </p:nvGrpSpPr>
+      <p:grpSpPr>
+        <a:xfrm>
+          <a:off x="0" y="0"/>
+          <a:ext cx="0" cy="0"/>
+          <a:chOff x="0" y="0"/>
+          <a:chExt cx="0" cy="0"/>
+        </a:xfrm>
+      </p:grpSpPr>
+      <p:sp>
+        <p:nvSpPr>
+          <p:cNvPr id="2" name="직사각형 1"/>
           <p:cNvSpPr/>
           <p:nvPr/>
         </p:nvSpPr>
         <p:spPr>
           <a:xfrm>
-            <a:off x="2534651" y="3394592"/>
-            <a:ext cx="8325853" cy="369332"/>
+            <a:off x="0" y="0"/>
+            <a:ext cx="6096000" cy="646331"/>
           </a:xfrm>
           <a:prstGeom prst="rect">
             <a:avLst/>
           </a:prstGeom>
         </p:spPr>
         <p:txBody>
-          <a:bodyPr wrap="square">
+          <a:bodyPr>
             <a:spAutoFit/>
           </a:bodyPr>
           <a:lstStyle/>
           <a:p>
             <a:r>
               <a:rPr lang="ko-KR" altLang="en-US" dirty="0" smtClean="0"/>
-              <a:t>이건 개인 발표 자료를 만든 후 취합할 예정입니다</a:t>
-            </a:r>
+              <a:t>  3. 프로젝트 </a:t>
+            </a:r>
+            <a:r>
+              <a:rPr lang="ko-KR" altLang="en-US" dirty="0" err="1" smtClean="0"/>
+              <a:t>수행절차</a:t>
+            </a:r>
+            <a:endParaRPr lang="en-US" altLang="ko-KR" dirty="0" smtClean="0"/>
+          </a:p>
+          <a:p>
             <a:r>
               <a:rPr lang="en-US" altLang="ko-KR" dirty="0" smtClean="0"/>
-              <a:t>…</a:t>
-            </a:r>
-            <a:endParaRPr lang="ko-KR" altLang="en-US" dirty="0"/>
-          </a:p>
-        </p:txBody>
-      </p:sp>
+              <a:t>Gantt Chart</a:t>
+            </a:r>
+            <a:endParaRPr lang="ko-KR" altLang="en-US" dirty="0" smtClean="0"/>
+          </a:p>
+        </p:txBody>
+      </p:sp>
+      <p:pic>
+        <p:nvPicPr>
+          <p:cNvPr id="3" name="그림 2"/>
+          <p:cNvPicPr>
+            <a:picLocks noChangeAspect="1"/>
+          </p:cNvPicPr>
+          <p:nvPr/>
+        </p:nvPicPr>
+        <p:blipFill>
+          <a:blip r:embed="rId2"/>
+          <a:stretch>
+            <a:fillRect/>
+          </a:stretch>
+        </p:blipFill>
+        <p:spPr>
+          <a:xfrm>
+            <a:off x="0" y="2028305"/>
+            <a:ext cx="12187168" cy="3184035"/>
+          </a:xfrm>
+          <a:prstGeom prst="rect">
+            <a:avLst/>
+          </a:prstGeom>
+        </p:spPr>
+      </p:pic>
     </p:spTree>
     <p:extLst>
       <p:ext uri="{BB962C8B-B14F-4D97-AF65-F5344CB8AC3E}">
-        <p14:creationId xmlns:p14="http://schemas.microsoft.com/office/powerpoint/2010/main" val="202262904"/>
+        <p14:creationId xmlns:p14="http://schemas.microsoft.com/office/powerpoint/2010/main" val="1108324174"/>
       </p:ext>
     </p:extLst>
   </p:cSld>

--- a/기타/PPT/초안.pptx
+++ b/기타/PPT/초안.pptx
@@ -17,8 +17,12 @@
     <p:sldId id="267" r:id="rId11"/>
     <p:sldId id="268" r:id="rId12"/>
     <p:sldId id="269" r:id="rId13"/>
-    <p:sldId id="262" r:id="rId14"/>
-    <p:sldId id="263" r:id="rId15"/>
+    <p:sldId id="270" r:id="rId14"/>
+    <p:sldId id="262" r:id="rId15"/>
+    <p:sldId id="272" r:id="rId16"/>
+    <p:sldId id="273" r:id="rId17"/>
+    <p:sldId id="271" r:id="rId18"/>
+    <p:sldId id="263" r:id="rId19"/>
   </p:sldIdLst>
   <p:sldSz cx="12192000" cy="6858000"/>
   <p:notesSz cx="6858000" cy="9144000"/>
@@ -256,7 +260,7 @@
           <a:p>
             <a:fld id="{EEC3B7C8-8B3F-4A5B-A46D-9E51DC17C975}" type="datetimeFigureOut">
               <a:rPr lang="ko-KR" altLang="en-US" smtClean="0"/>
-              <a:t>2023-04-04</a:t>
+              <a:t>2023-04-05</a:t>
             </a:fld>
             <a:endParaRPr lang="ko-KR" altLang="en-US"/>
           </a:p>
@@ -426,7 +430,7 @@
           <a:p>
             <a:fld id="{EEC3B7C8-8B3F-4A5B-A46D-9E51DC17C975}" type="datetimeFigureOut">
               <a:rPr lang="ko-KR" altLang="en-US" smtClean="0"/>
-              <a:t>2023-04-04</a:t>
+              <a:t>2023-04-05</a:t>
             </a:fld>
             <a:endParaRPr lang="ko-KR" altLang="en-US"/>
           </a:p>
@@ -606,7 +610,7 @@
           <a:p>
             <a:fld id="{EEC3B7C8-8B3F-4A5B-A46D-9E51DC17C975}" type="datetimeFigureOut">
               <a:rPr lang="ko-KR" altLang="en-US" smtClean="0"/>
-              <a:t>2023-04-04</a:t>
+              <a:t>2023-04-05</a:t>
             </a:fld>
             <a:endParaRPr lang="ko-KR" altLang="en-US"/>
           </a:p>
@@ -776,7 +780,7 @@
           <a:p>
             <a:fld id="{EEC3B7C8-8B3F-4A5B-A46D-9E51DC17C975}" type="datetimeFigureOut">
               <a:rPr lang="ko-KR" altLang="en-US" smtClean="0"/>
-              <a:t>2023-04-04</a:t>
+              <a:t>2023-04-05</a:t>
             </a:fld>
             <a:endParaRPr lang="ko-KR" altLang="en-US"/>
           </a:p>
@@ -1022,7 +1026,7 @@
           <a:p>
             <a:fld id="{EEC3B7C8-8B3F-4A5B-A46D-9E51DC17C975}" type="datetimeFigureOut">
               <a:rPr lang="ko-KR" altLang="en-US" smtClean="0"/>
-              <a:t>2023-04-04</a:t>
+              <a:t>2023-04-05</a:t>
             </a:fld>
             <a:endParaRPr lang="ko-KR" altLang="en-US"/>
           </a:p>
@@ -1254,7 +1258,7 @@
           <a:p>
             <a:fld id="{EEC3B7C8-8B3F-4A5B-A46D-9E51DC17C975}" type="datetimeFigureOut">
               <a:rPr lang="ko-KR" altLang="en-US" smtClean="0"/>
-              <a:t>2023-04-04</a:t>
+              <a:t>2023-04-05</a:t>
             </a:fld>
             <a:endParaRPr lang="ko-KR" altLang="en-US"/>
           </a:p>
@@ -1621,7 +1625,7 @@
           <a:p>
             <a:fld id="{EEC3B7C8-8B3F-4A5B-A46D-9E51DC17C975}" type="datetimeFigureOut">
               <a:rPr lang="ko-KR" altLang="en-US" smtClean="0"/>
-              <a:t>2023-04-04</a:t>
+              <a:t>2023-04-05</a:t>
             </a:fld>
             <a:endParaRPr lang="ko-KR" altLang="en-US"/>
           </a:p>
@@ -1739,7 +1743,7 @@
           <a:p>
             <a:fld id="{EEC3B7C8-8B3F-4A5B-A46D-9E51DC17C975}" type="datetimeFigureOut">
               <a:rPr lang="ko-KR" altLang="en-US" smtClean="0"/>
-              <a:t>2023-04-04</a:t>
+              <a:t>2023-04-05</a:t>
             </a:fld>
             <a:endParaRPr lang="ko-KR" altLang="en-US"/>
           </a:p>
@@ -1834,7 +1838,7 @@
           <a:p>
             <a:fld id="{EEC3B7C8-8B3F-4A5B-A46D-9E51DC17C975}" type="datetimeFigureOut">
               <a:rPr lang="ko-KR" altLang="en-US" smtClean="0"/>
-              <a:t>2023-04-04</a:t>
+              <a:t>2023-04-05</a:t>
             </a:fld>
             <a:endParaRPr lang="ko-KR" altLang="en-US"/>
           </a:p>
@@ -2111,7 +2115,7 @@
           <a:p>
             <a:fld id="{EEC3B7C8-8B3F-4A5B-A46D-9E51DC17C975}" type="datetimeFigureOut">
               <a:rPr lang="ko-KR" altLang="en-US" smtClean="0"/>
-              <a:t>2023-04-04</a:t>
+              <a:t>2023-04-05</a:t>
             </a:fld>
             <a:endParaRPr lang="ko-KR" altLang="en-US"/>
           </a:p>
@@ -2364,7 +2368,7 @@
           <a:p>
             <a:fld id="{EEC3B7C8-8B3F-4A5B-A46D-9E51DC17C975}" type="datetimeFigureOut">
               <a:rPr lang="ko-KR" altLang="en-US" smtClean="0"/>
-              <a:t>2023-04-04</a:t>
+              <a:t>2023-04-05</a:t>
             </a:fld>
             <a:endParaRPr lang="ko-KR" altLang="en-US"/>
           </a:p>
@@ -2577,7 +2581,7 @@
           <a:p>
             <a:fld id="{EEC3B7C8-8B3F-4A5B-A46D-9E51DC17C975}" type="datetimeFigureOut">
               <a:rPr lang="ko-KR" altLang="en-US" smtClean="0"/>
-              <a:t>2023-04-04</a:t>
+              <a:t>2023-04-05</a:t>
             </a:fld>
             <a:endParaRPr lang="ko-KR" altLang="en-US"/>
           </a:p>
@@ -3111,22 +3115,28 @@
       </p:sp>
       <p:pic>
         <p:nvPicPr>
-          <p:cNvPr id="3" name="그림 2"/>
+          <p:cNvPr id="4" name="그림 3"/>
           <p:cNvPicPr>
             <a:picLocks noChangeAspect="1"/>
           </p:cNvPicPr>
           <p:nvPr/>
         </p:nvPicPr>
         <p:blipFill>
-          <a:blip r:embed="rId2"/>
+          <a:blip r:embed="rId2">
+            <a:extLst>
+              <a:ext uri="{28A0092B-C50C-407E-A947-70E740481C1C}">
+                <a14:useLocalDpi xmlns:a14="http://schemas.microsoft.com/office/drawing/2010/main" val="0"/>
+              </a:ext>
+            </a:extLst>
+          </a:blip>
           <a:stretch>
             <a:fillRect/>
           </a:stretch>
         </p:blipFill>
         <p:spPr>
           <a:xfrm>
-            <a:off x="0" y="2162649"/>
-            <a:ext cx="12192000" cy="2214539"/>
+            <a:off x="1276350" y="2562225"/>
+            <a:ext cx="9639300" cy="1733550"/>
           </a:xfrm>
           <a:prstGeom prst="rect">
             <a:avLst/>
@@ -3396,7 +3406,7 @@
         <p:spPr>
           <a:xfrm>
             <a:off x="0" y="0"/>
-            <a:ext cx="6096000" cy="369332"/>
+            <a:ext cx="6096000" cy="646331"/>
           </a:xfrm>
           <a:prstGeom prst="rect">
             <a:avLst/>
@@ -3410,44 +3420,212 @@
           <a:p>
             <a:r>
               <a:rPr lang="ko-KR" altLang="en-US" dirty="0" smtClean="0"/>
-              <a:t>4. 프로젝트 </a:t>
+              <a:t>  3. 프로젝트 </a:t>
             </a:r>
             <a:r>
               <a:rPr lang="ko-KR" altLang="en-US" dirty="0" err="1" smtClean="0"/>
-              <a:t>수행결과</a:t>
+              <a:t>수행절차</a:t>
+            </a:r>
+            <a:endParaRPr lang="en-US" altLang="ko-KR" dirty="0" smtClean="0"/>
+          </a:p>
+          <a:p>
+            <a:r>
+              <a:rPr lang="ko-KR" altLang="en-US" dirty="0" smtClean="0"/>
+              <a:t>테이블 정의서</a:t>
             </a:r>
             <a:endParaRPr lang="ko-KR" altLang="en-US" dirty="0" smtClean="0"/>
           </a:p>
         </p:txBody>
       </p:sp>
-      <p:sp>
-        <p:nvSpPr>
-          <p:cNvPr id="4" name="직사각형 3"/>
-          <p:cNvSpPr/>
+      <p:pic>
+        <p:nvPicPr>
+          <p:cNvPr id="4" name="그림 3"/>
+          <p:cNvPicPr>
+            <a:picLocks noChangeAspect="1"/>
+          </p:cNvPicPr>
           <p:nvPr/>
-        </p:nvSpPr>
-        <p:spPr>
-          <a:xfrm>
-            <a:off x="2213809" y="1998929"/>
-            <a:ext cx="8325853" cy="369332"/>
+        </p:nvPicPr>
+        <p:blipFill>
+          <a:blip r:embed="rId2">
+            <a:extLst>
+              <a:ext uri="{28A0092B-C50C-407E-A947-70E740481C1C}">
+                <a14:useLocalDpi xmlns:a14="http://schemas.microsoft.com/office/drawing/2010/main" val="0"/>
+              </a:ext>
+            </a:extLst>
+          </a:blip>
+          <a:stretch>
+            <a:fillRect/>
+          </a:stretch>
+        </p:blipFill>
+        <p:spPr>
+          <a:xfrm>
+            <a:off x="6096000" y="1512915"/>
+            <a:ext cx="5912718" cy="4011271"/>
           </a:xfrm>
           <a:prstGeom prst="rect">
             <a:avLst/>
           </a:prstGeom>
         </p:spPr>
+      </p:pic>
+      <p:pic>
+        <p:nvPicPr>
+          <p:cNvPr id="5" name="그림 4"/>
+          <p:cNvPicPr>
+            <a:picLocks noChangeAspect="1"/>
+          </p:cNvPicPr>
+          <p:nvPr/>
+        </p:nvPicPr>
+        <p:blipFill>
+          <a:blip r:embed="rId3">
+            <a:extLst>
+              <a:ext uri="{28A0092B-C50C-407E-A947-70E740481C1C}">
+                <a14:useLocalDpi xmlns:a14="http://schemas.microsoft.com/office/drawing/2010/main" val="0"/>
+              </a:ext>
+            </a:extLst>
+          </a:blip>
+          <a:stretch>
+            <a:fillRect/>
+          </a:stretch>
+        </p:blipFill>
+        <p:spPr>
+          <a:xfrm>
+            <a:off x="98282" y="1512915"/>
+            <a:ext cx="5899436" cy="3232995"/>
+          </a:xfrm>
+          <a:prstGeom prst="rect">
+            <a:avLst/>
+          </a:prstGeom>
+        </p:spPr>
+      </p:pic>
+    </p:spTree>
+    <p:extLst>
+      <p:ext uri="{BB962C8B-B14F-4D97-AF65-F5344CB8AC3E}">
+        <p14:creationId xmlns:p14="http://schemas.microsoft.com/office/powerpoint/2010/main" val="1235814391"/>
+      </p:ext>
+    </p:extLst>
+  </p:cSld>
+  <p:clrMapOvr>
+    <a:masterClrMapping/>
+  </p:clrMapOvr>
+  <p:timing>
+    <p:tnLst>
+      <p:par>
+        <p:cTn id="1" dur="indefinite" restart="never" nodeType="tmRoot"/>
+      </p:par>
+    </p:tnLst>
+  </p:timing>
+</p:sld>
+</file>
+
+<file path=ppt/slides/slide14.xml><?xml version="1.0" encoding="utf-8"?>
+<p:sld xmlns:a="http://schemas.openxmlformats.org/drawingml/2006/main" xmlns:r="http://schemas.openxmlformats.org/officeDocument/2006/relationships" xmlns:p="http://schemas.openxmlformats.org/presentationml/2006/main">
+  <p:cSld>
+    <p:spTree>
+      <p:nvGrpSpPr>
+        <p:cNvPr id="1" name=""/>
+        <p:cNvGrpSpPr/>
+        <p:nvPr/>
+      </p:nvGrpSpPr>
+      <p:grpSpPr>
+        <a:xfrm>
+          <a:off x="0" y="0"/>
+          <a:ext cx="0" cy="0"/>
+          <a:chOff x="0" y="0"/>
+          <a:chExt cx="0" cy="0"/>
+        </a:xfrm>
+      </p:grpSpPr>
+      <p:sp>
+        <p:nvSpPr>
+          <p:cNvPr id="2" name="직사각형 1"/>
+          <p:cNvSpPr/>
+          <p:nvPr/>
+        </p:nvSpPr>
+        <p:spPr>
+          <a:xfrm>
+            <a:off x="0" y="0"/>
+            <a:ext cx="6096000" cy="369332"/>
+          </a:xfrm>
+          <a:prstGeom prst="rect">
+            <a:avLst/>
+          </a:prstGeom>
+        </p:spPr>
+        <p:txBody>
+          <a:bodyPr>
+            <a:spAutoFit/>
+          </a:bodyPr>
+          <a:lstStyle/>
+          <a:p>
+            <a:r>
+              <a:rPr lang="ko-KR" altLang="en-US" dirty="0" smtClean="0"/>
+              <a:t>4. 프로젝트 </a:t>
+            </a:r>
+            <a:r>
+              <a:rPr lang="ko-KR" altLang="en-US" dirty="0" err="1" smtClean="0"/>
+              <a:t>수행결과</a:t>
+            </a:r>
+            <a:endParaRPr lang="ko-KR" altLang="en-US" dirty="0" smtClean="0"/>
+          </a:p>
+        </p:txBody>
+      </p:sp>
+      <p:pic>
+        <p:nvPicPr>
+          <p:cNvPr id="6" name="그림 5"/>
+          <p:cNvPicPr>
+            <a:picLocks noChangeAspect="1"/>
+          </p:cNvPicPr>
+          <p:nvPr/>
+        </p:nvPicPr>
+        <p:blipFill>
+          <a:blip r:embed="rId2">
+            <a:extLst>
+              <a:ext uri="{28A0092B-C50C-407E-A947-70E740481C1C}">
+                <a14:useLocalDpi xmlns:a14="http://schemas.microsoft.com/office/drawing/2010/main" val="0"/>
+              </a:ext>
+            </a:extLst>
+          </a:blip>
+          <a:stretch>
+            <a:fillRect/>
+          </a:stretch>
+        </p:blipFill>
+        <p:spPr>
+          <a:xfrm>
+            <a:off x="0" y="2578217"/>
+            <a:ext cx="12192000" cy="3138224"/>
+          </a:xfrm>
+          <a:prstGeom prst="rect">
+            <a:avLst/>
+          </a:prstGeom>
+        </p:spPr>
+      </p:pic>
+      <p:sp>
+        <p:nvSpPr>
+          <p:cNvPr id="8" name="직사각형 7"/>
+          <p:cNvSpPr/>
+          <p:nvPr/>
+        </p:nvSpPr>
+        <p:spPr>
+          <a:xfrm>
+            <a:off x="1933073" y="5716441"/>
+            <a:ext cx="8325853" cy="369332"/>
+          </a:xfrm>
+          <a:prstGeom prst="rect">
+            <a:avLst/>
+          </a:prstGeom>
+        </p:spPr>
         <p:txBody>
           <a:bodyPr wrap="square">
             <a:spAutoFit/>
           </a:bodyPr>
           <a:lstStyle/>
           <a:p>
+            <a:pPr algn="ctr"/>
+            <a:r>
+              <a:rPr lang="en-US" altLang="ko-KR" dirty="0" smtClean="0"/>
+              <a:t>JOIN </a:t>
+            </a:r>
             <a:r>
               <a:rPr lang="ko-KR" altLang="en-US" dirty="0" smtClean="0"/>
-              <a:t>이건 개인 발표 자료를 만든 후 취합할 예정입니다</a:t>
-            </a:r>
-            <a:r>
-              <a:rPr lang="en-US" altLang="ko-KR" dirty="0" smtClean="0"/>
-              <a:t>…</a:t>
+              <a:t>전</a:t>
             </a:r>
             <a:endParaRPr lang="ko-KR" altLang="en-US" dirty="0"/>
           </a:p>
@@ -3473,7 +3651,409 @@
 </p:sld>
 </file>
 
-<file path=ppt/slides/slide14.xml><?xml version="1.0" encoding="utf-8"?>
+<file path=ppt/slides/slide15.xml><?xml version="1.0" encoding="utf-8"?>
+<p:sld xmlns:a="http://schemas.openxmlformats.org/drawingml/2006/main" xmlns:r="http://schemas.openxmlformats.org/officeDocument/2006/relationships" xmlns:p="http://schemas.openxmlformats.org/presentationml/2006/main">
+  <p:cSld>
+    <p:spTree>
+      <p:nvGrpSpPr>
+        <p:cNvPr id="1" name=""/>
+        <p:cNvGrpSpPr/>
+        <p:nvPr/>
+      </p:nvGrpSpPr>
+      <p:grpSpPr>
+        <a:xfrm>
+          <a:off x="0" y="0"/>
+          <a:ext cx="0" cy="0"/>
+          <a:chOff x="0" y="0"/>
+          <a:chExt cx="0" cy="0"/>
+        </a:xfrm>
+      </p:grpSpPr>
+      <p:sp>
+        <p:nvSpPr>
+          <p:cNvPr id="2" name="직사각형 1"/>
+          <p:cNvSpPr/>
+          <p:nvPr/>
+        </p:nvSpPr>
+        <p:spPr>
+          <a:xfrm>
+            <a:off x="0" y="0"/>
+            <a:ext cx="6096000" cy="369332"/>
+          </a:xfrm>
+          <a:prstGeom prst="rect">
+            <a:avLst/>
+          </a:prstGeom>
+        </p:spPr>
+        <p:txBody>
+          <a:bodyPr>
+            <a:spAutoFit/>
+          </a:bodyPr>
+          <a:lstStyle/>
+          <a:p>
+            <a:r>
+              <a:rPr lang="ko-KR" altLang="en-US" dirty="0" smtClean="0"/>
+              <a:t>4. 프로젝트 </a:t>
+            </a:r>
+            <a:r>
+              <a:rPr lang="ko-KR" altLang="en-US" dirty="0" err="1" smtClean="0"/>
+              <a:t>수행결과</a:t>
+            </a:r>
+            <a:endParaRPr lang="ko-KR" altLang="en-US" dirty="0" smtClean="0"/>
+          </a:p>
+        </p:txBody>
+      </p:sp>
+      <p:pic>
+        <p:nvPicPr>
+          <p:cNvPr id="7" name="그림 6"/>
+          <p:cNvPicPr>
+            <a:picLocks noChangeAspect="1"/>
+          </p:cNvPicPr>
+          <p:nvPr/>
+        </p:nvPicPr>
+        <p:blipFill>
+          <a:blip r:embed="rId2">
+            <a:extLst>
+              <a:ext uri="{28A0092B-C50C-407E-A947-70E740481C1C}">
+                <a14:useLocalDpi xmlns:a14="http://schemas.microsoft.com/office/drawing/2010/main" val="0"/>
+              </a:ext>
+            </a:extLst>
+          </a:blip>
+          <a:stretch>
+            <a:fillRect/>
+          </a:stretch>
+        </p:blipFill>
+        <p:spPr>
+          <a:xfrm>
+            <a:off x="3048000" y="1987144"/>
+            <a:ext cx="5905500" cy="3743325"/>
+          </a:xfrm>
+          <a:prstGeom prst="rect">
+            <a:avLst/>
+          </a:prstGeom>
+        </p:spPr>
+      </p:pic>
+      <p:sp>
+        <p:nvSpPr>
+          <p:cNvPr id="8" name="직사각형 7"/>
+          <p:cNvSpPr/>
+          <p:nvPr/>
+        </p:nvSpPr>
+        <p:spPr>
+          <a:xfrm>
+            <a:off x="1837823" y="5730469"/>
+            <a:ext cx="8325853" cy="369332"/>
+          </a:xfrm>
+          <a:prstGeom prst="rect">
+            <a:avLst/>
+          </a:prstGeom>
+        </p:spPr>
+        <p:txBody>
+          <a:bodyPr wrap="square">
+            <a:spAutoFit/>
+          </a:bodyPr>
+          <a:lstStyle/>
+          <a:p>
+            <a:pPr algn="ctr"/>
+            <a:r>
+              <a:rPr lang="en-US" altLang="ko-KR" dirty="0" smtClean="0"/>
+              <a:t>JOIN </a:t>
+            </a:r>
+            <a:r>
+              <a:rPr lang="ko-KR" altLang="en-US" dirty="0" smtClean="0"/>
+              <a:t>후</a:t>
+            </a:r>
+            <a:endParaRPr lang="ko-KR" altLang="en-US" dirty="0"/>
+          </a:p>
+        </p:txBody>
+      </p:sp>
+    </p:spTree>
+    <p:extLst>
+      <p:ext uri="{BB962C8B-B14F-4D97-AF65-F5344CB8AC3E}">
+        <p14:creationId xmlns:p14="http://schemas.microsoft.com/office/powerpoint/2010/main" val="3119845112"/>
+      </p:ext>
+    </p:extLst>
+  </p:cSld>
+  <p:clrMapOvr>
+    <a:masterClrMapping/>
+  </p:clrMapOvr>
+  <p:timing>
+    <p:tnLst>
+      <p:par>
+        <p:cTn id="1" dur="indefinite" restart="never" nodeType="tmRoot"/>
+      </p:par>
+    </p:tnLst>
+  </p:timing>
+</p:sld>
+</file>
+
+<file path=ppt/slides/slide16.xml><?xml version="1.0" encoding="utf-8"?>
+<p:sld xmlns:a="http://schemas.openxmlformats.org/drawingml/2006/main" xmlns:r="http://schemas.openxmlformats.org/officeDocument/2006/relationships" xmlns:p="http://schemas.openxmlformats.org/presentationml/2006/main">
+  <p:cSld>
+    <p:spTree>
+      <p:nvGrpSpPr>
+        <p:cNvPr id="1" name=""/>
+        <p:cNvGrpSpPr/>
+        <p:nvPr/>
+      </p:nvGrpSpPr>
+      <p:grpSpPr>
+        <a:xfrm>
+          <a:off x="0" y="0"/>
+          <a:ext cx="0" cy="0"/>
+          <a:chOff x="0" y="0"/>
+          <a:chExt cx="0" cy="0"/>
+        </a:xfrm>
+      </p:grpSpPr>
+      <p:sp>
+        <p:nvSpPr>
+          <p:cNvPr id="2" name="직사각형 1"/>
+          <p:cNvSpPr/>
+          <p:nvPr/>
+        </p:nvSpPr>
+        <p:spPr>
+          <a:xfrm>
+            <a:off x="0" y="0"/>
+            <a:ext cx="6096000" cy="369332"/>
+          </a:xfrm>
+          <a:prstGeom prst="rect">
+            <a:avLst/>
+          </a:prstGeom>
+        </p:spPr>
+        <p:txBody>
+          <a:bodyPr>
+            <a:spAutoFit/>
+          </a:bodyPr>
+          <a:lstStyle/>
+          <a:p>
+            <a:r>
+              <a:rPr lang="ko-KR" altLang="en-US" dirty="0" smtClean="0"/>
+              <a:t>4. 프로젝트 </a:t>
+            </a:r>
+            <a:r>
+              <a:rPr lang="ko-KR" altLang="en-US" dirty="0" err="1" smtClean="0"/>
+              <a:t>수행결과</a:t>
+            </a:r>
+            <a:endParaRPr lang="en-US" altLang="ko-KR" dirty="0" smtClean="0"/>
+          </a:p>
+        </p:txBody>
+      </p:sp>
+      <p:sp>
+        <p:nvSpPr>
+          <p:cNvPr id="8" name="직사각형 7"/>
+          <p:cNvSpPr/>
+          <p:nvPr/>
+        </p:nvSpPr>
+        <p:spPr>
+          <a:xfrm>
+            <a:off x="1933073" y="5253037"/>
+            <a:ext cx="8325853" cy="369332"/>
+          </a:xfrm>
+          <a:prstGeom prst="rect">
+            <a:avLst/>
+          </a:prstGeom>
+        </p:spPr>
+        <p:txBody>
+          <a:bodyPr wrap="square">
+            <a:spAutoFit/>
+          </a:bodyPr>
+          <a:lstStyle/>
+          <a:p>
+            <a:pPr algn="ctr"/>
+            <a:r>
+              <a:rPr lang="ko-KR" altLang="en-US" dirty="0"/>
+              <a:t>공부 최대 시간</a:t>
+            </a:r>
+            <a:r>
+              <a:rPr lang="en-US" altLang="ko-KR" dirty="0"/>
+              <a:t>, </a:t>
+            </a:r>
+            <a:r>
+              <a:rPr lang="ko-KR" altLang="en-US" dirty="0"/>
+              <a:t>최소 시간 찾기</a:t>
+            </a:r>
+            <a:endParaRPr lang="ko-KR" altLang="en-US" dirty="0"/>
+          </a:p>
+        </p:txBody>
+      </p:sp>
+      <p:pic>
+        <p:nvPicPr>
+          <p:cNvPr id="3" name="그림 2"/>
+          <p:cNvPicPr>
+            <a:picLocks noChangeAspect="1"/>
+          </p:cNvPicPr>
+          <p:nvPr/>
+        </p:nvPicPr>
+        <p:blipFill>
+          <a:blip r:embed="rId2">
+            <a:extLst>
+              <a:ext uri="{28A0092B-C50C-407E-A947-70E740481C1C}">
+                <a14:useLocalDpi xmlns:a14="http://schemas.microsoft.com/office/drawing/2010/main" val="0"/>
+              </a:ext>
+            </a:extLst>
+          </a:blip>
+          <a:stretch>
+            <a:fillRect/>
+          </a:stretch>
+        </p:blipFill>
+        <p:spPr>
+          <a:xfrm>
+            <a:off x="4467225" y="1604962"/>
+            <a:ext cx="3257550" cy="3648075"/>
+          </a:xfrm>
+          <a:prstGeom prst="rect">
+            <a:avLst/>
+          </a:prstGeom>
+        </p:spPr>
+      </p:pic>
+    </p:spTree>
+    <p:extLst>
+      <p:ext uri="{BB962C8B-B14F-4D97-AF65-F5344CB8AC3E}">
+        <p14:creationId xmlns:p14="http://schemas.microsoft.com/office/powerpoint/2010/main" val="1061501912"/>
+      </p:ext>
+    </p:extLst>
+  </p:cSld>
+  <p:clrMapOvr>
+    <a:masterClrMapping/>
+  </p:clrMapOvr>
+  <p:timing>
+    <p:tnLst>
+      <p:par>
+        <p:cTn id="1" dur="indefinite" restart="never" nodeType="tmRoot"/>
+      </p:par>
+    </p:tnLst>
+  </p:timing>
+</p:sld>
+</file>
+
+<file path=ppt/slides/slide17.xml><?xml version="1.0" encoding="utf-8"?>
+<p:sld xmlns:a="http://schemas.openxmlformats.org/drawingml/2006/main" xmlns:r="http://schemas.openxmlformats.org/officeDocument/2006/relationships" xmlns:p="http://schemas.openxmlformats.org/presentationml/2006/main">
+  <p:cSld>
+    <p:spTree>
+      <p:nvGrpSpPr>
+        <p:cNvPr id="1" name=""/>
+        <p:cNvGrpSpPr/>
+        <p:nvPr/>
+      </p:nvGrpSpPr>
+      <p:grpSpPr>
+        <a:xfrm>
+          <a:off x="0" y="0"/>
+          <a:ext cx="0" cy="0"/>
+          <a:chOff x="0" y="0"/>
+          <a:chExt cx="0" cy="0"/>
+        </a:xfrm>
+      </p:grpSpPr>
+      <p:sp>
+        <p:nvSpPr>
+          <p:cNvPr id="2" name="직사각형 1"/>
+          <p:cNvSpPr/>
+          <p:nvPr/>
+        </p:nvSpPr>
+        <p:spPr>
+          <a:xfrm>
+            <a:off x="0" y="0"/>
+            <a:ext cx="6096000" cy="369332"/>
+          </a:xfrm>
+          <a:prstGeom prst="rect">
+            <a:avLst/>
+          </a:prstGeom>
+        </p:spPr>
+        <p:txBody>
+          <a:bodyPr>
+            <a:spAutoFit/>
+          </a:bodyPr>
+          <a:lstStyle/>
+          <a:p>
+            <a:r>
+              <a:rPr lang="ko-KR" altLang="en-US" dirty="0" smtClean="0"/>
+              <a:t>4. 프로젝트 </a:t>
+            </a:r>
+            <a:r>
+              <a:rPr lang="ko-KR" altLang="en-US" dirty="0" err="1" smtClean="0"/>
+              <a:t>수행결과</a:t>
+            </a:r>
+            <a:endParaRPr lang="ko-KR" altLang="en-US" dirty="0" smtClean="0"/>
+          </a:p>
+        </p:txBody>
+      </p:sp>
+      <p:sp>
+        <p:nvSpPr>
+          <p:cNvPr id="8" name="직사각형 7"/>
+          <p:cNvSpPr/>
+          <p:nvPr/>
+        </p:nvSpPr>
+        <p:spPr>
+          <a:xfrm>
+            <a:off x="1933072" y="5529262"/>
+            <a:ext cx="8325853" cy="369332"/>
+          </a:xfrm>
+          <a:prstGeom prst="rect">
+            <a:avLst/>
+          </a:prstGeom>
+        </p:spPr>
+        <p:txBody>
+          <a:bodyPr wrap="square">
+            <a:spAutoFit/>
+          </a:bodyPr>
+          <a:lstStyle/>
+          <a:p>
+            <a:pPr algn="ctr"/>
+            <a:r>
+              <a:rPr lang="ko-KR" altLang="en-US" dirty="0"/>
+              <a:t>수학 공부 가장 많이 한 학생 찾기</a:t>
+            </a:r>
+            <a:endParaRPr lang="ko-KR" altLang="en-US" dirty="0"/>
+          </a:p>
+        </p:txBody>
+      </p:sp>
+      <p:pic>
+        <p:nvPicPr>
+          <p:cNvPr id="3" name="그림 2"/>
+          <p:cNvPicPr>
+            <a:picLocks noChangeAspect="1"/>
+          </p:cNvPicPr>
+          <p:nvPr/>
+        </p:nvPicPr>
+        <p:blipFill>
+          <a:blip r:embed="rId2">
+            <a:extLst>
+              <a:ext uri="{28A0092B-C50C-407E-A947-70E740481C1C}">
+                <a14:useLocalDpi xmlns:a14="http://schemas.microsoft.com/office/drawing/2010/main" val="0"/>
+              </a:ext>
+            </a:extLst>
+          </a:blip>
+          <a:stretch>
+            <a:fillRect/>
+          </a:stretch>
+        </p:blipFill>
+        <p:spPr>
+          <a:xfrm>
+            <a:off x="3186112" y="1328737"/>
+            <a:ext cx="5819775" cy="4200525"/>
+          </a:xfrm>
+          <a:prstGeom prst="rect">
+            <a:avLst/>
+          </a:prstGeom>
+        </p:spPr>
+      </p:pic>
+    </p:spTree>
+    <p:extLst>
+      <p:ext uri="{BB962C8B-B14F-4D97-AF65-F5344CB8AC3E}">
+        <p14:creationId xmlns:p14="http://schemas.microsoft.com/office/powerpoint/2010/main" val="362623497"/>
+      </p:ext>
+    </p:extLst>
+  </p:cSld>
+  <p:clrMapOvr>
+    <a:masterClrMapping/>
+  </p:clrMapOvr>
+  <p:timing>
+    <p:tnLst>
+      <p:par>
+        <p:cTn id="1" dur="indefinite" restart="never" nodeType="tmRoot"/>
+      </p:par>
+    </p:tnLst>
+  </p:timing>
+</p:sld>
+</file>
+
+<file path=ppt/slides/slide18.xml><?xml version="1.0" encoding="utf-8"?>
 <p:sld xmlns:a="http://schemas.openxmlformats.org/drawingml/2006/main" xmlns:r="http://schemas.openxmlformats.org/officeDocument/2006/relationships" xmlns:p="http://schemas.openxmlformats.org/presentationml/2006/main">
   <p:cSld>
     <p:spTree>
@@ -4353,22 +4933,28 @@
       </p:sp>
       <p:pic>
         <p:nvPicPr>
-          <p:cNvPr id="3" name="그림 2"/>
+          <p:cNvPr id="4" name="그림 3"/>
           <p:cNvPicPr>
             <a:picLocks noChangeAspect="1"/>
           </p:cNvPicPr>
           <p:nvPr/>
         </p:nvPicPr>
         <p:blipFill>
-          <a:blip r:embed="rId2"/>
+          <a:blip r:embed="rId2">
+            <a:extLst>
+              <a:ext uri="{28A0092B-C50C-407E-A947-70E740481C1C}">
+                <a14:useLocalDpi xmlns:a14="http://schemas.microsoft.com/office/drawing/2010/main" val="0"/>
+              </a:ext>
+            </a:extLst>
+          </a:blip>
           <a:stretch>
             <a:fillRect/>
           </a:stretch>
         </p:blipFill>
         <p:spPr>
           <a:xfrm>
-            <a:off x="68580" y="646331"/>
-            <a:ext cx="12054839" cy="5618922"/>
+            <a:off x="131618" y="610484"/>
+            <a:ext cx="11928764" cy="6247516"/>
           </a:xfrm>
           <a:prstGeom prst="rect">
             <a:avLst/>
@@ -4461,22 +5047,28 @@
       </p:sp>
       <p:pic>
         <p:nvPicPr>
-          <p:cNvPr id="3" name="그림 2"/>
+          <p:cNvPr id="4" name="그림 3"/>
           <p:cNvPicPr>
             <a:picLocks noChangeAspect="1"/>
           </p:cNvPicPr>
           <p:nvPr/>
         </p:nvPicPr>
         <p:blipFill>
-          <a:blip r:embed="rId2"/>
+          <a:blip r:embed="rId2">
+            <a:extLst>
+              <a:ext uri="{28A0092B-C50C-407E-A947-70E740481C1C}">
+                <a14:useLocalDpi xmlns:a14="http://schemas.microsoft.com/office/drawing/2010/main" val="0"/>
+              </a:ext>
+            </a:extLst>
+          </a:blip>
           <a:stretch>
             <a:fillRect/>
           </a:stretch>
         </p:blipFill>
         <p:spPr>
           <a:xfrm>
-            <a:off x="22446" y="1438102"/>
-            <a:ext cx="12147107" cy="3940233"/>
+            <a:off x="0" y="1240327"/>
+            <a:ext cx="12192000" cy="4377346"/>
           </a:xfrm>
           <a:prstGeom prst="rect">
             <a:avLst/>
@@ -4567,6 +5159,66 @@
           </a:p>
         </p:txBody>
       </p:sp>
+      <p:pic>
+        <p:nvPicPr>
+          <p:cNvPr id="3" name="그림 2"/>
+          <p:cNvPicPr>
+            <a:picLocks noChangeAspect="1"/>
+          </p:cNvPicPr>
+          <p:nvPr/>
+        </p:nvPicPr>
+        <p:blipFill>
+          <a:blip r:embed="rId2">
+            <a:extLst>
+              <a:ext uri="{28A0092B-C50C-407E-A947-70E740481C1C}">
+                <a14:useLocalDpi xmlns:a14="http://schemas.microsoft.com/office/drawing/2010/main" val="0"/>
+              </a:ext>
+            </a:extLst>
+          </a:blip>
+          <a:stretch>
+            <a:fillRect/>
+          </a:stretch>
+        </p:blipFill>
+        <p:spPr>
+          <a:xfrm>
+            <a:off x="149766" y="1628079"/>
+            <a:ext cx="5946234" cy="3205347"/>
+          </a:xfrm>
+          <a:prstGeom prst="rect">
+            <a:avLst/>
+          </a:prstGeom>
+        </p:spPr>
+      </p:pic>
+      <p:pic>
+        <p:nvPicPr>
+          <p:cNvPr id="4" name="그림 3"/>
+          <p:cNvPicPr>
+            <a:picLocks noChangeAspect="1"/>
+          </p:cNvPicPr>
+          <p:nvPr/>
+        </p:nvPicPr>
+        <p:blipFill>
+          <a:blip r:embed="rId3">
+            <a:extLst>
+              <a:ext uri="{28A0092B-C50C-407E-A947-70E740481C1C}">
+                <a14:useLocalDpi xmlns:a14="http://schemas.microsoft.com/office/drawing/2010/main" val="0"/>
+              </a:ext>
+            </a:extLst>
+          </a:blip>
+          <a:stretch>
+            <a:fillRect/>
+          </a:stretch>
+        </p:blipFill>
+        <p:spPr>
+          <a:xfrm>
+            <a:off x="6096000" y="1623663"/>
+            <a:ext cx="5946235" cy="3214181"/>
+          </a:xfrm>
+          <a:prstGeom prst="rect">
+            <a:avLst/>
+          </a:prstGeom>
+        </p:spPr>
+      </p:pic>
     </p:spTree>
     <p:extLst>
       <p:ext uri="{BB962C8B-B14F-4D97-AF65-F5344CB8AC3E}">
